--- a/project-1/PJ1_PRES.pptx
+++ b/project-1/PJ1_PRES.pptx
@@ -206,7 +206,7 @@
           <a:p>
             <a:fld id="{181EC09C-9CDC-48F0-BB82-ED223F986966}" type="datetimeFigureOut">
               <a:rPr lang="en-US" smtClean="0"/>
-              <a:t>11/5/2020</a:t>
+              <a:t>11/5/20</a:t>
             </a:fld>
             <a:endParaRPr lang="en-US" dirty="0"/>
           </a:p>
@@ -1355,7 +1355,15 @@
             </a:pPr>
             <a:r>
               <a:rPr lang="en-US" dirty="0"/>
-              <a:t>Create initial table (too big to show here)</a:t>
+              <a:t>First I parsed the </a:t>
+            </a:r>
+            <a:r>
+              <a:rPr lang="en-US" dirty="0" err="1"/>
+              <a:t>WikiEdits</a:t>
+            </a:r>
+            <a:r>
+              <a:rPr lang="en-US" dirty="0"/>
+              <a:t> file in a huge table that I couldn’t post here</a:t>
             </a:r>
           </a:p>
           <a:p>
@@ -1372,7 +1380,7 @@
             </a:pPr>
             <a:r>
               <a:rPr lang="en-US" dirty="0"/>
-              <a:t>Create new table that</a:t>
+              <a:t>There were only two main columns that I was really worried about using in this dataset</a:t>
             </a:r>
           </a:p>
           <a:p>
@@ -1381,31 +1389,10 @@
               <a:buChar char="•"/>
             </a:pPr>
             <a:r>
-              <a:rPr lang="en-US" dirty="0"/>
-              <a:t>Selects </a:t>
-            </a:r>
-            <a:r>
               <a:rPr lang="en-US" dirty="0" err="1"/>
               <a:t>page_title</a:t>
             </a:r>
-            <a:r>
-              <a:rPr lang="en-US" dirty="0"/>
-              <a:t>, </a:t>
-            </a:r>
-            <a:r>
-              <a:rPr lang="en-US" dirty="0" err="1"/>
-              <a:t>revision_seconds_to_identity_revert</a:t>
-            </a:r>
-            <a:r>
-              <a:rPr lang="en-US" dirty="0"/>
-              <a:t> </a:t>
-            </a:r>
-            <a:r>
-              <a:rPr lang="en-US" dirty="0">
-                <a:sym typeface="Wingdings" panose="05000000000000000000" pitchFamily="2" charset="2"/>
-              </a:rPr>
-              <a:t> Super important for later</a:t>
-            </a:r>
+            <a:endParaRPr lang="en-US" dirty="0"/>
           </a:p>
           <a:p>
             <a:pPr marL="742950" lvl="1" indent="-285750">
@@ -1413,22 +1400,36 @@
               <a:buChar char="•"/>
             </a:pPr>
             <a:r>
-              <a:rPr lang="en-US" dirty="0">
-                <a:sym typeface="Wingdings" panose="05000000000000000000" pitchFamily="2" charset="2"/>
-              </a:rPr>
-              <a:t>Does not include null values for revert time</a:t>
-            </a:r>
+              <a:rPr lang="en-US" dirty="0" err="1"/>
+              <a:t>Revision_seconds_to_identity_revert</a:t>
+            </a:r>
+            <a:endParaRPr lang="en-US" dirty="0"/>
           </a:p>
           <a:p>
             <a:pPr marL="742950" lvl="1" indent="-285750">
               <a:buFont typeface="Arial" panose="020B0604020202020204" pitchFamily="34" charset="0"/>
               <a:buChar char="•"/>
             </a:pPr>
-            <a:r>
-              <a:rPr lang="en-US" dirty="0">
-                <a:sym typeface="Wingdings" panose="05000000000000000000" pitchFamily="2" charset="2"/>
-              </a:rPr>
-              <a:t>Revert time is larger than 0</a:t>
+            <a:endParaRPr lang="en-US" dirty="0"/>
+          </a:p>
+          <a:p>
+            <a:pPr marL="285750" lvl="0" indent="-285750">
+              <a:buFont typeface="Arial" panose="020B0604020202020204" pitchFamily="34" charset="0"/>
+              <a:buChar char="•"/>
+            </a:pPr>
+            <a:r>
+              <a:rPr lang="en-US" dirty="0"/>
+              <a:t>I then made a table that broke the original table down into smaller pieces</a:t>
+            </a:r>
+          </a:p>
+          <a:p>
+            <a:pPr marL="285750" lvl="0" indent="-285750">
+              <a:buFont typeface="Arial" panose="020B0604020202020204" pitchFamily="34" charset="0"/>
+              <a:buChar char="•"/>
+            </a:pPr>
+            <a:r>
+              <a:rPr lang="en-US" dirty="0"/>
+              <a:t>I had a few important restrictions on this table</a:t>
             </a:r>
           </a:p>
           <a:p>
@@ -1437,10 +1438,8 @@
               <a:buChar char="•"/>
             </a:pPr>
             <a:r>
-              <a:rPr lang="en-US" dirty="0">
-                <a:sym typeface="Wingdings" panose="05000000000000000000" pitchFamily="2" charset="2"/>
-              </a:rPr>
-              <a:t>Has records that are only marked as a revision</a:t>
+              <a:rPr lang="en-US" dirty="0"/>
+              <a:t>revision revert cannot be NULL</a:t>
             </a:r>
           </a:p>
           <a:p>
@@ -1448,32 +1447,63 @@
               <a:buFont typeface="Arial" panose="020B0604020202020204" pitchFamily="34" charset="0"/>
               <a:buChar char="•"/>
             </a:pPr>
-            <a:endParaRPr lang="en-US" dirty="0">
-              <a:sym typeface="Wingdings" panose="05000000000000000000" pitchFamily="2" charset="2"/>
-            </a:endParaRPr>
+            <a:r>
+              <a:rPr lang="en-US" dirty="0"/>
+              <a:t>Revision revert must be greater than 0</a:t>
+            </a:r>
+          </a:p>
+          <a:p>
+            <a:pPr marL="742950" lvl="1" indent="-285750">
+              <a:buFont typeface="Arial" panose="020B0604020202020204" pitchFamily="34" charset="0"/>
+              <a:buChar char="•"/>
+            </a:pPr>
+            <a:r>
+              <a:rPr lang="en-US" dirty="0"/>
+              <a:t>And the record entity type must be a ‘revision’</a:t>
+            </a:r>
           </a:p>
           <a:p>
             <a:pPr marL="285750" indent="-285750">
               <a:buFont typeface="Arial" panose="020B0604020202020204" pitchFamily="34" charset="0"/>
               <a:buChar char="•"/>
             </a:pPr>
-            <a:r>
-              <a:rPr lang="en-US" dirty="0">
-                <a:sym typeface="Wingdings" panose="05000000000000000000" pitchFamily="2" charset="2"/>
-              </a:rPr>
-              <a:t>Reuse table from Q2 with all ‘</a:t>
-            </a:r>
-            <a:r>
-              <a:rPr lang="en-US" dirty="0" err="1">
-                <a:sym typeface="Wingdings" panose="05000000000000000000" pitchFamily="2" charset="2"/>
-              </a:rPr>
-              <a:t>en</a:t>
-            </a:r>
-            <a:r>
-              <a:rPr lang="en-US" dirty="0">
-                <a:sym typeface="Wingdings" panose="05000000000000000000" pitchFamily="2" charset="2"/>
-              </a:rPr>
-              <a:t>’ records and totaled page views to create a new table</a:t>
+            <a:endParaRPr lang="en-US" dirty="0"/>
+          </a:p>
+          <a:p>
+            <a:pPr marL="285750" indent="-285750">
+              <a:buFont typeface="Arial" panose="020B0604020202020204" pitchFamily="34" charset="0"/>
+              <a:buChar char="•"/>
+            </a:pPr>
+            <a:r>
+              <a:rPr lang="en-US" dirty="0"/>
+              <a:t>Next, I created a table that would consist of all September pageview records, which I used a previous table for</a:t>
+            </a:r>
+          </a:p>
+          <a:p>
+            <a:pPr marL="285750" indent="-285750">
+              <a:buFont typeface="Arial" panose="020B0604020202020204" pitchFamily="34" charset="0"/>
+              <a:buChar char="•"/>
+            </a:pPr>
+            <a:r>
+              <a:rPr lang="en-US" dirty="0"/>
+              <a:t>My new table needed to contain each article with the number of visitors per second, which was calculated by dividing each articles total page view count by  the number of seconds in a year</a:t>
+            </a:r>
+          </a:p>
+          <a:p>
+            <a:pPr marL="285750" indent="-285750">
+              <a:buFont typeface="Arial" panose="020B0604020202020204" pitchFamily="34" charset="0"/>
+              <a:buChar char="•"/>
+            </a:pPr>
+            <a:endParaRPr lang="en-US" dirty="0"/>
+          </a:p>
+          <a:p>
+            <a:pPr marL="285750" indent="-285750">
+              <a:buFont typeface="Arial" panose="020B0604020202020204" pitchFamily="34" charset="0"/>
+              <a:buChar char="•"/>
+            </a:pPr>
+            <a:r>
+              <a:rPr lang="en-US" dirty="0"/>
+              <a:t>Then I used an inner join to combine these tables returning columns</a:t>
             </a:r>
           </a:p>
           <a:p>
@@ -1482,77 +1512,46 @@
               <a:buChar char="•"/>
             </a:pPr>
             <a:r>
-              <a:rPr lang="en-US" dirty="0">
-                <a:sym typeface="Wingdings" panose="05000000000000000000" pitchFamily="2" charset="2"/>
-              </a:rPr>
-              <a:t>Selects PAGE_TITLE, (TOTAL_PAGE_VIEWS / 2592000)</a:t>
-            </a:r>
-          </a:p>
-          <a:p>
-            <a:pPr marL="1200150" lvl="2" indent="-285750">
+              <a:rPr lang="en-US" dirty="0" err="1"/>
+              <a:t>Page_title</a:t>
+            </a:r>
+            <a:endParaRPr lang="en-US" dirty="0"/>
+          </a:p>
+          <a:p>
+            <a:pPr marL="742950" lvl="1" indent="-285750">
               <a:buFont typeface="Arial" panose="020B0604020202020204" pitchFamily="34" charset="0"/>
               <a:buChar char="•"/>
             </a:pPr>
             <a:r>
-              <a:rPr lang="en-US" dirty="0">
-                <a:sym typeface="Wingdings" panose="05000000000000000000" pitchFamily="2" charset="2"/>
-              </a:rPr>
-              <a:t>Finds the average number of page views per second for each record</a:t>
-            </a:r>
-          </a:p>
-          <a:p>
-            <a:pPr marL="1200150" lvl="2" indent="-285750">
+              <a:rPr lang="en-US" dirty="0"/>
+              <a:t>Revision seconds to revert</a:t>
+            </a:r>
+          </a:p>
+          <a:p>
+            <a:pPr marL="742950" lvl="1" indent="-285750">
               <a:buFont typeface="Arial" panose="020B0604020202020204" pitchFamily="34" charset="0"/>
               <a:buChar char="•"/>
             </a:pPr>
-            <a:endParaRPr lang="en-US" dirty="0">
-              <a:sym typeface="Wingdings" panose="05000000000000000000" pitchFamily="2" charset="2"/>
-            </a:endParaRPr>
-          </a:p>
-          <a:p>
-            <a:pPr marL="285750" indent="-285750">
+            <a:r>
+              <a:rPr lang="en-US" dirty="0"/>
+              <a:t>And avg user per second</a:t>
+            </a:r>
+          </a:p>
+          <a:p>
+            <a:pPr marL="742950" lvl="1" indent="-285750">
               <a:buFont typeface="Arial" panose="020B0604020202020204" pitchFamily="34" charset="0"/>
               <a:buChar char="•"/>
             </a:pPr>
-            <a:r>
-              <a:rPr lang="en-US" dirty="0">
-                <a:sym typeface="Wingdings" panose="05000000000000000000" pitchFamily="2" charset="2"/>
-              </a:rPr>
-              <a:t>Join previous two tables to get a new table with each revision paired with its respective page and </a:t>
-            </a:r>
-            <a:r>
-              <a:rPr lang="en-US" dirty="0" err="1">
-                <a:sym typeface="Wingdings" panose="05000000000000000000" pitchFamily="2" charset="2"/>
-              </a:rPr>
-              <a:t>page_views</a:t>
-            </a:r>
-            <a:r>
-              <a:rPr lang="en-US" dirty="0">
-                <a:sym typeface="Wingdings" panose="05000000000000000000" pitchFamily="2" charset="2"/>
-              </a:rPr>
-              <a:t>/second</a:t>
-            </a:r>
-          </a:p>
-          <a:p>
-            <a:pPr marL="285750" indent="-285750">
+            <a:endParaRPr lang="en-US" dirty="0"/>
+          </a:p>
+          <a:p>
+            <a:pPr marL="285750" lvl="0" indent="-285750">
               <a:buFont typeface="Arial" panose="020B0604020202020204" pitchFamily="34" charset="0"/>
               <a:buChar char="•"/>
             </a:pPr>
-            <a:endParaRPr lang="en-US" dirty="0">
-              <a:sym typeface="Wingdings" panose="05000000000000000000" pitchFamily="2" charset="2"/>
-            </a:endParaRPr>
-          </a:p>
-          <a:p>
             <a:r>
               <a:rPr lang="en-US" dirty="0"/>
-              <a:t>Result query</a:t>
-            </a:r>
-          </a:p>
-          <a:p>
-            <a:pPr lvl="1"/>
-            <a:r>
-              <a:rPr lang="en-US" dirty="0"/>
-              <a:t>AVG(seconds to revert * average user/second)</a:t>
+              <a:t>The final step was a simple query where I multiplied every records seconds to revert and average users per second, followed by an AVG of all the returned records</a:t>
             </a:r>
           </a:p>
           <a:p>
@@ -2045,7 +2044,7 @@
           <a:p>
             <a:fld id="{9D874152-028B-486A-9CCC-467A5536A7DC}" type="datetime1">
               <a:rPr lang="en-US" smtClean="0"/>
-              <a:t>11/5/2020</a:t>
+              <a:t>11/5/20</a:t>
             </a:fld>
             <a:endParaRPr lang="en-US" dirty="0"/>
           </a:p>
@@ -2374,7 +2373,7 @@
           <a:p>
             <a:fld id="{8A1558FF-9F53-4DAD-84A1-1EEE4F190FF1}" type="datetime1">
               <a:rPr lang="en-US" smtClean="0"/>
-              <a:t>11/5/2020</a:t>
+              <a:t>11/5/20</a:t>
             </a:fld>
             <a:endParaRPr lang="en-US" dirty="0"/>
           </a:p>
@@ -2647,7 +2646,7 @@
           <a:p>
             <a:fld id="{A78FA1A6-D89D-4E0B-ACDC-F92429034F56}" type="datetime1">
               <a:rPr lang="en-US" smtClean="0"/>
-              <a:t>11/5/2020</a:t>
+              <a:t>11/5/20</a:t>
             </a:fld>
             <a:endParaRPr lang="en-US" dirty="0"/>
           </a:p>
@@ -3210,7 +3209,7 @@
           <a:p>
             <a:fld id="{8BA382F0-6EA8-4D82-951F-1579D6A93CC4}" type="datetime1">
               <a:rPr lang="en-US" smtClean="0"/>
-              <a:t>11/5/2020</a:t>
+              <a:t>11/5/20</a:t>
             </a:fld>
             <a:endParaRPr lang="en-US" dirty="0"/>
           </a:p>
@@ -3483,7 +3482,7 @@
           <a:p>
             <a:fld id="{CDBE913C-F349-4CE3-A910-0EA13427FE0D}" type="datetime1">
               <a:rPr lang="en-US" smtClean="0"/>
-              <a:t>11/5/2020</a:t>
+              <a:t>11/5/20</a:t>
             </a:fld>
             <a:endParaRPr lang="en-US" dirty="0"/>
           </a:p>
@@ -4040,7 +4039,7 @@
           <a:p>
             <a:fld id="{70D4C5C7-4D27-4EBE-9DB8-92F5F0F40B34}" type="datetime1">
               <a:rPr lang="en-US" smtClean="0"/>
-              <a:t>11/5/2020</a:t>
+              <a:t>11/5/20</a:t>
             </a:fld>
             <a:endParaRPr lang="en-US" dirty="0"/>
           </a:p>
@@ -4362,7 +4361,7 @@
           <a:p>
             <a:fld id="{B6CDAF82-EDB2-4FBF-83F4-247A1B3455CB}" type="datetime1">
               <a:rPr lang="en-US" smtClean="0"/>
-              <a:t>11/5/2020</a:t>
+              <a:t>11/5/20</a:t>
             </a:fld>
             <a:endParaRPr lang="en-US" dirty="0"/>
           </a:p>
@@ -4534,7 +4533,7 @@
           <a:p>
             <a:fld id="{2D5E59DB-4C5A-44A3-897C-FF6803F94296}" type="datetime1">
               <a:rPr lang="en-US" smtClean="0"/>
-              <a:t>11/5/2020</a:t>
+              <a:t>11/5/20</a:t>
             </a:fld>
             <a:endParaRPr lang="en-US" dirty="0"/>
           </a:p>
@@ -4765,7 +4764,7 @@
           <a:p>
             <a:fld id="{E9F6B6E0-E0F8-4800-BD74-7D33DFE5ED7E}" type="datetime1">
               <a:rPr lang="en-US" smtClean="0"/>
-              <a:t>11/5/2020</a:t>
+              <a:t>11/5/20</a:t>
             </a:fld>
             <a:endParaRPr lang="en-US" dirty="0"/>
           </a:p>
@@ -4959,7 +4958,7 @@
           <a:p>
             <a:fld id="{6E6DC824-D0E7-4046-8B44-4AAD1C4DE2CF}" type="datetime1">
               <a:rPr lang="en-US" smtClean="0"/>
-              <a:t>11/5/2020</a:t>
+              <a:t>11/5/20</a:t>
             </a:fld>
             <a:endParaRPr lang="en-US" dirty="0"/>
           </a:p>
@@ -5230,7 +5229,7 @@
           <a:p>
             <a:fld id="{FEFC221C-17A4-4F42-9F54-9F7E03AA1BBB}" type="datetime1">
               <a:rPr lang="en-US" smtClean="0"/>
-              <a:t>11/5/2020</a:t>
+              <a:t>11/5/20</a:t>
             </a:fld>
             <a:endParaRPr lang="en-US" dirty="0"/>
           </a:p>
@@ -5489,7 +5488,7 @@
           <a:p>
             <a:fld id="{38CD7CBA-5256-42F3-BAB5-33F095514AE3}" type="datetime1">
               <a:rPr lang="en-US" smtClean="0"/>
-              <a:t>11/5/2020</a:t>
+              <a:t>11/5/20</a:t>
             </a:fld>
             <a:endParaRPr lang="en-US" dirty="0"/>
           </a:p>
@@ -5856,7 +5855,7 @@
           <a:p>
             <a:fld id="{8EB80C04-2E33-403B-B014-7E203A57326C}" type="datetime1">
               <a:rPr lang="en-US" smtClean="0"/>
-              <a:t>11/5/2020</a:t>
+              <a:t>11/5/20</a:t>
             </a:fld>
             <a:endParaRPr lang="en-US" dirty="0"/>
           </a:p>
@@ -5999,7 +5998,7 @@
           <a:p>
             <a:fld id="{8C92A49D-7D7F-4D69-A8AA-65D6B58C15F2}" type="datetime1">
               <a:rPr lang="en-US" smtClean="0"/>
-              <a:t>11/5/2020</a:t>
+              <a:t>11/5/20</a:t>
             </a:fld>
             <a:endParaRPr lang="en-US" dirty="0"/>
           </a:p>
@@ -6120,7 +6119,7 @@
           <a:p>
             <a:fld id="{09E02903-36C1-4F6B-9F27-EA2305255204}" type="datetime1">
               <a:rPr lang="en-US" smtClean="0"/>
-              <a:t>11/5/2020</a:t>
+              <a:t>11/5/20</a:t>
             </a:fld>
             <a:endParaRPr lang="en-US" dirty="0"/>
           </a:p>
@@ -6399,7 +6398,7 @@
           <a:p>
             <a:fld id="{2E8BBFA8-C775-4121-A7F6-6851C8035873}" type="datetime1">
               <a:rPr lang="en-US" smtClean="0"/>
-              <a:t>11/5/2020</a:t>
+              <a:t>11/5/20</a:t>
             </a:fld>
             <a:endParaRPr lang="en-US" dirty="0"/>
           </a:p>
@@ -6718,7 +6717,7 @@
           <a:p>
             <a:fld id="{6EC01760-8EEC-4A4C-BD0D-3CDAAA80A266}" type="datetime1">
               <a:rPr lang="en-US" smtClean="0"/>
-              <a:t>11/5/2020</a:t>
+              <a:t>11/5/20</a:t>
             </a:fld>
             <a:endParaRPr lang="en-US" dirty="0"/>
           </a:p>
@@ -6926,7 +6925,7 @@
           <a:p>
             <a:fld id="{B183DE74-4CAD-4852-95E7-A055FD779420}" type="datetime1">
               <a:rPr lang="en-US" smtClean="0"/>
-              <a:t>11/5/2020</a:t>
+              <a:t>11/5/20</a:t>
             </a:fld>
             <a:endParaRPr lang="en-US" dirty="0"/>
           </a:p>
@@ -10074,14 +10073,6 @@
 </file>
 
 <file path=customXml/item1.xml><?xml version="1.0" encoding="utf-8"?>
-<p:properties xmlns:p="http://schemas.microsoft.com/office/2006/metadata/properties" xmlns:xsi="http://www.w3.org/2001/XMLSchema-instance" xmlns:pc="http://schemas.microsoft.com/office/infopath/2007/PartnerControls">
-  <documentManagement>
-    <MediaServiceKeyPoints xmlns="71af3243-3dd4-4a8d-8c0d-dd76da1f02a5" xsi:nil="true"/>
-  </documentManagement>
-</p:properties>
-</file>
-
-<file path=customXml/item2.xml><?xml version="1.0" encoding="utf-8"?>
 <ct:contentTypeSchema xmlns:ct="http://schemas.microsoft.com/office/2006/metadata/contentType" xmlns:ma="http://schemas.microsoft.com/office/2006/metadata/properties/metaAttributes" ct:_="" ma:_="" ma:contentTypeName="Document" ma:contentTypeID="0x01010079F111ED35F8CC479449609E8A0923A6" ma:contentTypeVersion="11" ma:contentTypeDescription="Create a new document." ma:contentTypeScope="" ma:versionID="9677210f24a1be23c92c90fd886aa0aa">
   <xsd:schema xmlns:xsd="http://www.w3.org/2001/XMLSchema" xmlns:xs="http://www.w3.org/2001/XMLSchema" xmlns:p="http://schemas.microsoft.com/office/2006/metadata/properties" xmlns:ns2="71af3243-3dd4-4a8d-8c0d-dd76da1f02a5" xmlns:ns3="16c05727-aa75-4e4a-9b5f-8a80a1165891" targetNamespace="http://schemas.microsoft.com/office/2006/metadata/properties" ma:root="true" ma:fieldsID="60e05723c5c1908df1a1a4ebf11d344e" ns2:_="" ns3:_="">
     <xsd:import namespace="71af3243-3dd4-4a8d-8c0d-dd76da1f02a5"/>
@@ -10292,6 +10283,14 @@
 </ct:contentTypeSchema>
 </file>
 
+<file path=customXml/item2.xml><?xml version="1.0" encoding="utf-8"?>
+<p:properties xmlns:p="http://schemas.microsoft.com/office/2006/metadata/properties" xmlns:xsi="http://www.w3.org/2001/XMLSchema-instance" xmlns:pc="http://schemas.microsoft.com/office/infopath/2007/PartnerControls">
+  <documentManagement>
+    <MediaServiceKeyPoints xmlns="71af3243-3dd4-4a8d-8c0d-dd76da1f02a5" xsi:nil="true"/>
+  </documentManagement>
+</p:properties>
+</file>
+
 <file path=customXml/item3.xml><?xml version="1.0" encoding="utf-8"?>
 <?mso-contentType ?>
 <FormTemplates xmlns="http://schemas.microsoft.com/sharepoint/v3/contenttype/forms">
@@ -10302,16 +10301,6 @@
 </file>
 
 <file path=customXml/itemProps1.xml><?xml version="1.0" encoding="utf-8"?>
-<ds:datastoreItem xmlns:ds="http://schemas.openxmlformats.org/officeDocument/2006/customXml" ds:itemID="{B26D5668-1971-40BB-BC7C-94C9B101AAB7}">
-  <ds:schemaRefs>
-    <ds:schemaRef ds:uri="http://schemas.microsoft.com/office/2006/metadata/properties"/>
-    <ds:schemaRef ds:uri="http://schemas.microsoft.com/office/infopath/2007/PartnerControls"/>
-    <ds:schemaRef ds:uri="71af3243-3dd4-4a8d-8c0d-dd76da1f02a5"/>
-  </ds:schemaRefs>
-</ds:datastoreItem>
-</file>
-
-<file path=customXml/itemProps2.xml><?xml version="1.0" encoding="utf-8"?>
 <ds:datastoreItem xmlns:ds="http://schemas.openxmlformats.org/officeDocument/2006/customXml" ds:itemID="{3370F4A1-FC59-4361-989F-6C79533DA565}">
   <ds:schemaRefs>
     <ds:schemaRef ds:uri="http://schemas.microsoft.com/office/2006/metadata/contentType"/>
@@ -10330,6 +10319,16 @@
 </ds:datastoreItem>
 </file>
 
+<file path=customXml/itemProps2.xml><?xml version="1.0" encoding="utf-8"?>
+<ds:datastoreItem xmlns:ds="http://schemas.openxmlformats.org/officeDocument/2006/customXml" ds:itemID="{B26D5668-1971-40BB-BC7C-94C9B101AAB7}">
+  <ds:schemaRefs>
+    <ds:schemaRef ds:uri="http://schemas.microsoft.com/office/2006/metadata/properties"/>
+    <ds:schemaRef ds:uri="http://schemas.microsoft.com/office/infopath/2007/PartnerControls"/>
+    <ds:schemaRef ds:uri="71af3243-3dd4-4a8d-8c0d-dd76da1f02a5"/>
+  </ds:schemaRefs>
+</ds:datastoreItem>
+</file>
+
 <file path=customXml/itemProps3.xml><?xml version="1.0" encoding="utf-8"?>
 <ds:datastoreItem xmlns:ds="http://schemas.openxmlformats.org/officeDocument/2006/customXml" ds:itemID="{FE57094B-4684-420B-AFE0-4E41CA2AF714}">
   <ds:schemaRefs>
